--- a/Presentations/Presentation rushhour week 6 final.pptx
+++ b/Presentations/Presentation rushhour week 6 final.pptx
@@ -5809,47 +5809,34 @@
                 <a:latin typeface="Arial" pitchFamily="18"/>
                 <a:ea typeface="Microsoft YaHei" pitchFamily="2"/>
               </a:rPr>
-              <a:t>Beste methode: </a:t>
-            </a:r>
-            <a:r>
-              <a:rPr lang="nl-NL" sz="2400" kern="1200" dirty="0" err="1" smtClean="0">
-                <a:latin typeface="Arial" pitchFamily="18"/>
-                <a:ea typeface="Microsoft YaHei" pitchFamily="2"/>
-              </a:rPr>
-              <a:t>To</a:t>
-            </a:r>
+              <a:t>Straks als laatste</a:t>
+            </a:r>
+          </a:p>
+          <a:p>
+            <a:pPr marL="108000" lvl="0" indent="0">
+              <a:spcBef>
+                <a:spcPts val="0"/>
+              </a:spcBef>
+              <a:spcAft>
+                <a:spcPts val="1415"/>
+              </a:spcAft>
+              <a:buSzPct val="45000"/>
+              <a:buNone/>
+            </a:pPr>
             <a:r>
               <a:rPr lang="nl-NL" sz="2400" kern="1200" dirty="0" smtClean="0">
                 <a:latin typeface="Arial" pitchFamily="18"/>
                 <a:ea typeface="Microsoft YaHei" pitchFamily="2"/>
               </a:rPr>
-              <a:t> </a:t>
-            </a:r>
-            <a:r>
-              <a:rPr lang="nl-NL" sz="2400" kern="1200" dirty="0" err="1" smtClean="0">
-                <a:latin typeface="Arial" pitchFamily="18"/>
-                <a:ea typeface="Microsoft YaHei" pitchFamily="2"/>
-              </a:rPr>
-              <a:t>be</a:t>
+              <a:t>Beste </a:t>
             </a:r>
             <a:r>
               <a:rPr lang="nl-NL" sz="2400" kern="1200" dirty="0" smtClean="0">
                 <a:latin typeface="Arial" pitchFamily="18"/>
                 <a:ea typeface="Microsoft YaHei" pitchFamily="2"/>
               </a:rPr>
-              <a:t> </a:t>
-            </a:r>
-            <a:r>
-              <a:rPr lang="nl-NL" sz="2400" kern="1200" dirty="0" err="1" smtClean="0">
-                <a:latin typeface="Arial" pitchFamily="18"/>
-                <a:ea typeface="Microsoft YaHei" pitchFamily="2"/>
-              </a:rPr>
-              <a:t>determined</a:t>
-            </a:r>
-            <a:endParaRPr lang="nl-NL" sz="2400" kern="1200" dirty="0" smtClean="0">
-              <a:latin typeface="Arial" pitchFamily="18"/>
-              <a:ea typeface="Microsoft YaHei" pitchFamily="2"/>
-            </a:endParaRPr>
+              <a:t>methode: To be determined</a:t>
+            </a:r>
           </a:p>
           <a:p>
             <a:pPr marL="108000" lvl="0" indent="0">
@@ -10138,10 +10125,10 @@
           <a:lstStyle/>
           <a:p>
             <a:r>
-              <a:rPr lang="nl-NL" smtClean="0"/>
+              <a:rPr lang="nl-NL" dirty="0" smtClean="0"/>
               <a:t>Visulisatie?</a:t>
             </a:r>
-            <a:endParaRPr lang="nl-NL"/>
+            <a:endParaRPr lang="nl-NL" dirty="0"/>
           </a:p>
         </p:txBody>
       </p:sp>
